--- a/ayudantia-paralelo-200/4y5/ELO-329 - semana 4y5.pptx
+++ b/ayudantia-paralelo-200/4y5/ELO-329 - semana 4y5.pptx
@@ -647,7 +647,7 @@
           <a:p>
             <a:fld id="{72345051-2045-45DA-935E-2E3CA1A69ADC}" type="datetimeFigureOut">
               <a:rPr lang="en-US" smtClean="0"/>
-              <a:t>4/10/2023</a:t>
+              <a:t>4/15/2023</a:t>
             </a:fld>
             <a:endParaRPr lang="en-US" dirty="0"/>
           </a:p>
@@ -845,7 +845,7 @@
           <a:p>
             <a:fld id="{72345051-2045-45DA-935E-2E3CA1A69ADC}" type="datetimeFigureOut">
               <a:rPr lang="en-US" smtClean="0"/>
-              <a:t>4/10/2023</a:t>
+              <a:t>4/15/2023</a:t>
             </a:fld>
             <a:endParaRPr lang="en-US"/>
           </a:p>
@@ -1053,7 +1053,7 @@
           <a:p>
             <a:fld id="{72345051-2045-45DA-935E-2E3CA1A69ADC}" type="datetimeFigureOut">
               <a:rPr lang="en-US" smtClean="0"/>
-              <a:t>4/10/2023</a:t>
+              <a:t>4/15/2023</a:t>
             </a:fld>
             <a:endParaRPr lang="en-US"/>
           </a:p>
@@ -1275,7 +1275,7 @@
           <a:p>
             <a:fld id="{72345051-2045-45DA-935E-2E3CA1A69ADC}" type="datetimeFigureOut">
               <a:rPr lang="en-US" smtClean="0"/>
-              <a:t>4/10/2023</a:t>
+              <a:t>4/15/2023</a:t>
             </a:fld>
             <a:endParaRPr lang="en-US"/>
           </a:p>
@@ -2186,7 +2186,7 @@
           <a:p>
             <a:fld id="{72345051-2045-45DA-935E-2E3CA1A69ADC}" type="datetimeFigureOut">
               <a:rPr lang="en-US" smtClean="0"/>
-              <a:t>4/10/2023</a:t>
+              <a:t>4/15/2023</a:t>
             </a:fld>
             <a:endParaRPr lang="en-US"/>
           </a:p>
@@ -2789,7 +2789,7 @@
           <a:p>
             <a:fld id="{72345051-2045-45DA-935E-2E3CA1A69ADC}" type="datetimeFigureOut">
               <a:rPr lang="en-US" smtClean="0"/>
-              <a:t>4/10/2023</a:t>
+              <a:t>4/15/2023</a:t>
             </a:fld>
             <a:endParaRPr lang="en-US"/>
           </a:p>
@@ -3837,7 +3837,7 @@
           <a:p>
             <a:fld id="{72345051-2045-45DA-935E-2E3CA1A69ADC}" type="datetimeFigureOut">
               <a:rPr lang="en-US" smtClean="0"/>
-              <a:t>4/10/2023</a:t>
+              <a:t>4/15/2023</a:t>
             </a:fld>
             <a:endParaRPr lang="en-US"/>
           </a:p>
@@ -4621,7 +4621,7 @@
           <a:p>
             <a:fld id="{72345051-2045-45DA-935E-2E3CA1A69ADC}" type="datetimeFigureOut">
               <a:rPr lang="en-US" smtClean="0"/>
-              <a:t>4/10/2023</a:t>
+              <a:t>4/15/2023</a:t>
             </a:fld>
             <a:endParaRPr lang="en-US"/>
           </a:p>
@@ -5070,7 +5070,7 @@
           <a:p>
             <a:fld id="{72345051-2045-45DA-935E-2E3CA1A69ADC}" type="datetimeFigureOut">
               <a:rPr lang="en-US" smtClean="0"/>
-              <a:t>4/10/2023</a:t>
+              <a:t>4/15/2023</a:t>
             </a:fld>
             <a:endParaRPr lang="en-US"/>
           </a:p>
@@ -5387,7 +5387,7 @@
           <a:p>
             <a:fld id="{72345051-2045-45DA-935E-2E3CA1A69ADC}" type="datetimeFigureOut">
               <a:rPr lang="en-US" smtClean="0"/>
-              <a:t>4/10/2023</a:t>
+              <a:t>4/15/2023</a:t>
             </a:fld>
             <a:endParaRPr lang="en-US"/>
           </a:p>
@@ -6015,7 +6015,7 @@
           <a:p>
             <a:fld id="{72345051-2045-45DA-935E-2E3CA1A69ADC}" type="datetimeFigureOut">
               <a:rPr lang="en-US" smtClean="0"/>
-              <a:t>4/10/2023</a:t>
+              <a:t>4/15/2023</a:t>
             </a:fld>
             <a:endParaRPr lang="en-US"/>
           </a:p>
@@ -6588,7 +6588,7 @@
           <a:p>
             <a:fld id="{72345051-2045-45DA-935E-2E3CA1A69ADC}" type="datetimeFigureOut">
               <a:rPr lang="en-US" smtClean="0"/>
-              <a:t>4/10/2023</a:t>
+              <a:t>4/15/2023</a:t>
             </a:fld>
             <a:endParaRPr lang="en-US" dirty="0"/>
           </a:p>
@@ -7200,12 +7200,6 @@
                 <a:latin typeface="Helvetica Neue"/>
               </a:rPr>
             </a:br>
-            <a:r>
-              <a:rPr lang="es-MX" sz="2400" b="1" dirty="0">
-                <a:latin typeface="Helvetica Neue"/>
-              </a:rPr>
-              <a:t>Expresiones Lambda con algo de Excepciones</a:t>
-            </a:r>
             <a:br>
               <a:rPr lang="es-MX" sz="2400" b="1" dirty="0">
                 <a:latin typeface="Helvetica Neue"/>
@@ -10384,6 +10378,49 @@
               <a:latin typeface="Arial" panose="020B0604020202020204" pitchFamily="34" charset="0"/>
               <a:cs typeface="Arial" panose="020B0604020202020204" pitchFamily="34" charset="0"/>
             </a:endParaRPr>
+          </a:p>
+        </p:txBody>
+      </p:sp>
+      <p:sp>
+        <p:nvSpPr>
+          <p:cNvPr id="4" name="CuadroTexto 3">
+            <a:extLst>
+              <a:ext uri="{FF2B5EF4-FFF2-40B4-BE49-F238E27FC236}">
+                <a16:creationId xmlns:a16="http://schemas.microsoft.com/office/drawing/2014/main" id="{861C5646-9C2E-CAEF-F726-E70EA43AE6A9}"/>
+              </a:ext>
+            </a:extLst>
+          </p:cNvPr>
+          <p:cNvSpPr txBox="1"/>
+          <p:nvPr/>
+        </p:nvSpPr>
+        <p:spPr>
+          <a:xfrm>
+            <a:off x="3048699" y="3317656"/>
+            <a:ext cx="6094602" cy="369332"/>
+          </a:xfrm>
+          <a:prstGeom prst="rect">
+            <a:avLst/>
+          </a:prstGeom>
+          <a:noFill/>
+        </p:spPr>
+        <p:txBody>
+          <a:bodyPr wrap="square">
+            <a:spAutoFit/>
+          </a:bodyPr>
+          <a:lstStyle/>
+          <a:p>
+            <a:pPr lvl="1" algn="ctr">
+              <a:lnSpc>
+                <a:spcPct val="100000"/>
+              </a:lnSpc>
+            </a:pPr>
+            <a:r>
+              <a:rPr lang="es-MX" dirty="0">
+                <a:latin typeface="Arial" panose="020B0604020202020204" pitchFamily="34" charset="0"/>
+                <a:cs typeface="Arial" panose="020B0604020202020204" pitchFamily="34" charset="0"/>
+              </a:rPr>
+              <a:t>Ejemplo en auto.java</a:t>
+            </a:r>
           </a:p>
         </p:txBody>
       </p:sp>
